--- a/ppt/PythonOverview_2021.pptx
+++ b/ppt/PythonOverview_2021.pptx
@@ -260,14 +260,14 @@
           <a:effectLst/>
           <a:extLst>
             <a:ext uri="{909E8E84-426E-40dd-AFC4-6F175D3DCCD1}">
-              <a14:hiddenFill xmlns="" xmlns:a14="http://schemas.microsoft.com/office/drawing/2010/main">
+              <a14:hiddenFill xmlns:a14="http://schemas.microsoft.com/office/drawing/2010/main" xmlns="">
                 <a:solidFill>
                   <a:schemeClr val="accent1"/>
                 </a:solidFill>
               </a14:hiddenFill>
             </a:ext>
             <a:ext uri="{91240B29-F687-4f45-9708-019B960494DF}">
-              <a14:hiddenLine xmlns="" xmlns:a14="http://schemas.microsoft.com/office/drawing/2010/main" w="12700">
+              <a14:hiddenLine xmlns:a14="http://schemas.microsoft.com/office/drawing/2010/main" xmlns="" w="12700">
                 <a:solidFill>
                   <a:schemeClr val="tx1"/>
                 </a:solidFill>
@@ -277,7 +277,7 @@
               </a14:hiddenLine>
             </a:ext>
             <a:ext uri="{AF507438-7753-43e0-B8FC-AC1667EBCBE1}">
-              <a14:hiddenEffects xmlns="" xmlns:a14="http://schemas.microsoft.com/office/drawing/2010/main">
+              <a14:hiddenEffects xmlns:a14="http://schemas.microsoft.com/office/drawing/2010/main" xmlns="">
                 <a:effectLst>
                   <a:outerShdw blurRad="63500" dist="38099" dir="2700000" algn="ctr" rotWithShape="0">
                     <a:schemeClr val="bg2">
@@ -288,7 +288,7 @@
               </a14:hiddenEffects>
             </a:ext>
             <a:ext uri="{FAA26D3D-D897-4be2-8F04-BA451C77F1D7}">
-              <ma14:placeholderFlag xmlns="" xmlns:ma14="http://schemas.microsoft.com/office/mac/drawingml/2011/main" val="1"/>
+              <ma14:placeholderFlag xmlns:ma14="http://schemas.microsoft.com/office/mac/drawingml/2011/main" xmlns="" val="1"/>
             </a:ext>
           </a:extLst>
         </p:spPr>
@@ -366,12 +366,12 @@
           <a:effectLst/>
           <a:extLst>
             <a:ext uri="{909E8E84-426E-40dd-AFC4-6F175D3DCCD1}">
-              <a14:hiddenFill xmlns="" xmlns:a14="http://schemas.microsoft.com/office/drawing/2010/main">
+              <a14:hiddenFill xmlns:a14="http://schemas.microsoft.com/office/drawing/2010/main" xmlns="">
                 <a:noFill/>
               </a14:hiddenFill>
             </a:ext>
             <a:ext uri="{AF507438-7753-43e0-B8FC-AC1667EBCBE1}">
-              <a14:hiddenEffects xmlns="" xmlns:a14="http://schemas.microsoft.com/office/drawing/2010/main">
+              <a14:hiddenEffects xmlns:a14="http://schemas.microsoft.com/office/drawing/2010/main" xmlns="">
                 <a:effectLst>
                   <a:outerShdw blurRad="63500" dist="38099" dir="2700000" algn="ctr" rotWithShape="0">
                     <a:srgbClr val="000000">
@@ -382,7 +382,7 @@
               </a14:hiddenEffects>
             </a:ext>
             <a:ext uri="{53640926-AAD7-44d8-BBD7-CCE9431645EC}">
-              <a14:shadowObscured xmlns="" xmlns:a14="http://schemas.microsoft.com/office/drawing/2010/main" val="1"/>
+              <a14:shadowObscured xmlns:a14="http://schemas.microsoft.com/office/drawing/2010/main" xmlns="" val="1"/>
             </a:ext>
           </a:extLst>
         </p:spPr>
@@ -1344,14 +1344,14 @@
           <a:effectLst/>
           <a:extLst>
             <a:ext uri="{909E8E84-426E-40dd-AFC4-6F175D3DCCD1}">
-              <a14:hiddenFill xmlns="" xmlns:a14="http://schemas.microsoft.com/office/drawing/2010/main">
+              <a14:hiddenFill xmlns:a14="http://schemas.microsoft.com/office/drawing/2010/main" xmlns="">
                 <a:solidFill>
                   <a:schemeClr val="accent1"/>
                 </a:solidFill>
               </a14:hiddenFill>
             </a:ext>
             <a:ext uri="{91240B29-F687-4f45-9708-019B960494DF}">
-              <a14:hiddenLine xmlns="" xmlns:a14="http://schemas.microsoft.com/office/drawing/2010/main" w="12700">
+              <a14:hiddenLine xmlns:a14="http://schemas.microsoft.com/office/drawing/2010/main" xmlns="" w="12700">
                 <a:solidFill>
                   <a:schemeClr val="tx1"/>
                 </a:solidFill>
@@ -1361,7 +1361,7 @@
               </a14:hiddenLine>
             </a:ext>
             <a:ext uri="{AF507438-7753-43e0-B8FC-AC1667EBCBE1}">
-              <a14:hiddenEffects xmlns="" xmlns:a14="http://schemas.microsoft.com/office/drawing/2010/main">
+              <a14:hiddenEffects xmlns:a14="http://schemas.microsoft.com/office/drawing/2010/main" xmlns="">
                 <a:effectLst>
                   <a:outerShdw blurRad="63500" dist="38099" dir="2700000" algn="ctr" rotWithShape="0">
                     <a:schemeClr val="bg2">
@@ -1444,14 +1444,14 @@
           </a:ln>
           <a:extLst>
             <a:ext uri="{909E8E84-426E-40dd-AFC4-6F175D3DCCD1}">
-              <a14:hiddenFill xmlns="" xmlns:a14="http://schemas.microsoft.com/office/drawing/2010/main">
+              <a14:hiddenFill xmlns:a14="http://schemas.microsoft.com/office/drawing/2010/main" xmlns="">
                 <a:solidFill>
                   <a:srgbClr val="FFFFFF"/>
                 </a:solidFill>
               </a14:hiddenFill>
             </a:ext>
             <a:ext uri="{91240B29-F687-4f45-9708-019B960494DF}">
-              <a14:hiddenLine xmlns="" xmlns:a14="http://schemas.microsoft.com/office/drawing/2010/main" w="9525">
+              <a14:hiddenLine xmlns:a14="http://schemas.microsoft.com/office/drawing/2010/main" xmlns="" w="9525">
                 <a:solidFill>
                   <a:srgbClr val="000000"/>
                 </a:solidFill>
@@ -3117,14 +3117,14 @@
           <a:effectLst/>
           <a:extLst>
             <a:ext uri="{909E8E84-426E-40dd-AFC4-6F175D3DCCD1}">
-              <a14:hiddenFill xmlns="" xmlns:a14="http://schemas.microsoft.com/office/drawing/2010/main">
+              <a14:hiddenFill xmlns:a14="http://schemas.microsoft.com/office/drawing/2010/main" xmlns="">
                 <a:solidFill>
                   <a:schemeClr val="accent1"/>
                 </a:solidFill>
               </a14:hiddenFill>
             </a:ext>
             <a:ext uri="{91240B29-F687-4f45-9708-019B960494DF}">
-              <a14:hiddenLine xmlns="" xmlns:a14="http://schemas.microsoft.com/office/drawing/2010/main" w="12700">
+              <a14:hiddenLine xmlns:a14="http://schemas.microsoft.com/office/drawing/2010/main" xmlns="" w="12700">
                 <a:solidFill>
                   <a:schemeClr val="tx1"/>
                 </a:solidFill>
@@ -3134,7 +3134,7 @@
               </a14:hiddenLine>
             </a:ext>
             <a:ext uri="{AF507438-7753-43e0-B8FC-AC1667EBCBE1}">
-              <a14:hiddenEffects xmlns="" xmlns:a14="http://schemas.microsoft.com/office/drawing/2010/main">
+              <a14:hiddenEffects xmlns:a14="http://schemas.microsoft.com/office/drawing/2010/main" xmlns="">
                 <a:effectLst>
                   <a:outerShdw blurRad="63500" dist="38099" dir="2700000" algn="ctr" rotWithShape="0">
                     <a:schemeClr val="bg2">
@@ -3145,7 +3145,7 @@
               </a14:hiddenEffects>
             </a:ext>
             <a:ext uri="{FAA26D3D-D897-4be2-8F04-BA451C77F1D7}">
-              <ma14:placeholderFlag xmlns="" xmlns:ma14="http://schemas.microsoft.com/office/mac/drawingml/2011/main" val="1"/>
+              <ma14:placeholderFlag xmlns:ma14="http://schemas.microsoft.com/office/mac/drawingml/2011/main" xmlns="" val="1"/>
             </a:ext>
           </a:extLst>
         </p:spPr>
@@ -3190,14 +3190,14 @@
           <a:effectLst/>
           <a:extLst>
             <a:ext uri="{909E8E84-426E-40dd-AFC4-6F175D3DCCD1}">
-              <a14:hiddenFill xmlns="" xmlns:a14="http://schemas.microsoft.com/office/drawing/2010/main">
+              <a14:hiddenFill xmlns:a14="http://schemas.microsoft.com/office/drawing/2010/main" xmlns="">
                 <a:solidFill>
                   <a:schemeClr val="accent1"/>
                 </a:solidFill>
               </a14:hiddenFill>
             </a:ext>
             <a:ext uri="{91240B29-F687-4f45-9708-019B960494DF}">
-              <a14:hiddenLine xmlns="" xmlns:a14="http://schemas.microsoft.com/office/drawing/2010/main" w="12700">
+              <a14:hiddenLine xmlns:a14="http://schemas.microsoft.com/office/drawing/2010/main" xmlns="" w="12700">
                 <a:solidFill>
                   <a:schemeClr val="tx1"/>
                 </a:solidFill>
@@ -3207,7 +3207,7 @@
               </a14:hiddenLine>
             </a:ext>
             <a:ext uri="{AF507438-7753-43e0-B8FC-AC1667EBCBE1}">
-              <a14:hiddenEffects xmlns="" xmlns:a14="http://schemas.microsoft.com/office/drawing/2010/main">
+              <a14:hiddenEffects xmlns:a14="http://schemas.microsoft.com/office/drawing/2010/main" xmlns="">
                 <a:effectLst>
                   <a:outerShdw blurRad="63500" dist="38099" dir="2700000" algn="ctr" rotWithShape="0">
                     <a:schemeClr val="bg2">
@@ -3218,7 +3218,7 @@
               </a14:hiddenEffects>
             </a:ext>
             <a:ext uri="{FAA26D3D-D897-4be2-8F04-BA451C77F1D7}">
-              <ma14:placeholderFlag xmlns="" xmlns:ma14="http://schemas.microsoft.com/office/mac/drawingml/2011/main" val="1"/>
+              <ma14:placeholderFlag xmlns:ma14="http://schemas.microsoft.com/office/mac/drawingml/2011/main" xmlns="" val="1"/>
             </a:ext>
           </a:extLst>
         </p:spPr>
@@ -3302,14 +3302,14 @@
           </a:ln>
           <a:extLst>
             <a:ext uri="{909E8E84-426E-40dd-AFC4-6F175D3DCCD1}">
-              <a14:hiddenFill xmlns="" xmlns:a14="http://schemas.microsoft.com/office/drawing/2010/main">
+              <a14:hiddenFill xmlns:a14="http://schemas.microsoft.com/office/drawing/2010/main" xmlns="">
                 <a:solidFill>
                   <a:srgbClr val="FFFFFF"/>
                 </a:solidFill>
               </a14:hiddenFill>
             </a:ext>
             <a:ext uri="{91240B29-F687-4f45-9708-019B960494DF}">
-              <a14:hiddenLine xmlns="" xmlns:a14="http://schemas.microsoft.com/office/drawing/2010/main" w="9525">
+              <a14:hiddenLine xmlns:a14="http://schemas.microsoft.com/office/drawing/2010/main" xmlns="" w="9525">
                 <a:solidFill>
                   <a:srgbClr val="000000"/>
                 </a:solidFill>
@@ -4334,28 +4334,28 @@
       </p:sp>
       <p:pic>
         <p:nvPicPr>
-          <p:cNvPr id="4" name="Picture 3"/>
+          <p:cNvPr id="5" name="Picture 4">
+            <a:extLst>
+              <a:ext uri="{FF2B5EF4-FFF2-40B4-BE49-F238E27FC236}">
+                <a16:creationId xmlns:a16="http://schemas.microsoft.com/office/drawing/2014/main" id="{7CA276A7-4427-994D-8B0C-4F05D4D10E85}"/>
+              </a:ext>
+            </a:extLst>
+          </p:cNvPr>
           <p:cNvPicPr>
             <a:picLocks noChangeAspect="1"/>
           </p:cNvPicPr>
           <p:nvPr/>
         </p:nvPicPr>
         <p:blipFill>
-          <a:blip r:embed="rId2" cstate="screen">
-            <a:extLst>
-              <a:ext uri="{28A0092B-C50C-407E-A947-70E740481C1C}">
-                <a14:useLocalDpi xmlns:a14="http://schemas.microsoft.com/office/drawing/2010/main"/>
-              </a:ext>
-            </a:extLst>
-          </a:blip>
+          <a:blip r:embed="rId2"/>
           <a:stretch>
             <a:fillRect/>
           </a:stretch>
         </p:blipFill>
         <p:spPr>
           <a:xfrm>
-            <a:off x="4920604" y="3010401"/>
-            <a:ext cx="3731996" cy="3519237"/>
+            <a:off x="4724400" y="3505200"/>
+            <a:ext cx="4265744" cy="2563031"/>
           </a:xfrm>
           <a:prstGeom prst="rect">
             <a:avLst/>
@@ -4555,6 +4555,18 @@
               <a:t>A hydrologic example involving the Grand Canyon</a:t>
             </a:r>
           </a:p>
+          <a:p>
+            <a:endParaRPr lang="en-US" dirty="0"/>
+          </a:p>
+          <a:p>
+            <a:pPr marL="0" indent="0">
+              <a:buNone/>
+            </a:pPr>
+            <a:r>
+              <a:rPr lang="en-US" sz="2000" i="1" dirty="0"/>
+              <a:t>NOTE: We are jumping right in, interactive demo style. Will post instructions on installing for future work on your own</a:t>
+            </a:r>
+          </a:p>
         </p:txBody>
       </p:sp>
     </p:spTree>
@@ -4681,8 +4693,12 @@
           </a:p>
           <a:p>
             <a:r>
+              <a:rPr lang="en-US" b="0"/>
+              <a:t>“Good </a:t>
+            </a:r>
+            <a:r>
               <a:rPr lang="en-US" b="0" dirty="0"/>
-              <a:t>”Good enough” practices for scientific computing: </a:t>
+              <a:t>enough” practices for scientific computing: </a:t>
             </a:r>
             <a:r>
               <a:rPr lang="en-US" sz="2400" b="0" dirty="0">
@@ -5604,7 +5620,7 @@
           <a:p>
             <a:r>
               <a:rPr lang="en-US" dirty="0"/>
-              <a:t>TIOBE Index (May 2020)</a:t>
+              <a:t>TIOBE Index (May 2021)</a:t>
             </a:r>
           </a:p>
         </p:txBody>
@@ -5676,10 +5692,10 @@
       </p:sp>
       <p:pic>
         <p:nvPicPr>
-          <p:cNvPr id="5" name="Picture 4">
+          <p:cNvPr id="3" name="Picture 2">
             <a:extLst>
               <a:ext uri="{FF2B5EF4-FFF2-40B4-BE49-F238E27FC236}">
-                <a16:creationId xmlns:a16="http://schemas.microsoft.com/office/drawing/2014/main" id="{1E911817-79EC-2E47-8223-555839E9427A}"/>
+                <a16:creationId xmlns:a16="http://schemas.microsoft.com/office/drawing/2014/main" id="{F7018A17-6361-4044-B12A-C3BFBC98A79A}"/>
               </a:ext>
             </a:extLst>
           </p:cNvPr>
@@ -5696,8 +5712,8 @@
         </p:blipFill>
         <p:spPr>
           <a:xfrm>
-            <a:off x="1490917" y="1099820"/>
-            <a:ext cx="6162167" cy="5224780"/>
+            <a:off x="1441998" y="1095884"/>
+            <a:ext cx="6260005" cy="5152516"/>
           </a:xfrm>
           <a:prstGeom prst="rect">
             <a:avLst/>
@@ -6190,7 +6206,7 @@
         <a:effectLst/>
         <a:extLst>
           <a:ext uri="{AF507438-7753-43e0-B8FC-AC1667EBCBE1}">
-            <a14:hiddenEffects xmlns="" xmlns:a14="http://schemas.microsoft.com/office/drawing/2010/main">
+            <a14:hiddenEffects xmlns:a14="http://schemas.microsoft.com/office/drawing/2010/main" xmlns="">
               <a:effectLst>
                 <a:outerShdw blurRad="63500" dist="38099" dir="2700000" algn="ctr" rotWithShape="0">
                   <a:schemeClr val="bg2">
@@ -6266,7 +6282,7 @@
         <a:effectLst/>
         <a:extLst>
           <a:ext uri="{AF507438-7753-43e0-B8FC-AC1667EBCBE1}">
-            <a14:hiddenEffects xmlns="" xmlns:a14="http://schemas.microsoft.com/office/drawing/2010/main">
+            <a14:hiddenEffects xmlns:a14="http://schemas.microsoft.com/office/drawing/2010/main" xmlns="">
               <a:effectLst>
                 <a:outerShdw blurRad="63500" dist="38099" dir="2700000" algn="ctr" rotWithShape="0">
                   <a:schemeClr val="bg2">
